--- a/Apresentacao_Nimbus.pptx
+++ b/Apresentacao_Nimbus.pptx
@@ -6168,7 +6168,7 @@
           </p:cNvPicPr>
           <p:nvPr/>
         </p:nvPicPr>
-        <p:blipFill>
+        <p:blipFill rotWithShape="1">
           <a:blip r:embed="rId2">
             <a:extLst>
               <a:ext uri="{28A0092B-C50C-407E-A947-70E740481C1C}">
@@ -6176,13 +6176,13 @@
               </a:ext>
             </a:extLst>
           </a:blip>
-          <a:srcRect/>
+          <a:srcRect l="-2788" t="-48" r="1574" b="48"/>
           <a:stretch/>
         </p:blipFill>
         <p:spPr>
           <a:xfrm>
-            <a:off x="1848313" y="528230"/>
-            <a:ext cx="2516969" cy="5430258"/>
+            <a:off x="1744911" y="529164"/>
+            <a:ext cx="2547544" cy="5428389"/>
           </a:xfrm>
           <a:prstGeom prst="rect">
             <a:avLst/>
@@ -6332,7 +6332,7 @@
           </p:cNvPicPr>
           <p:nvPr/>
         </p:nvPicPr>
-        <p:blipFill>
+        <p:blipFill rotWithShape="1">
           <a:blip r:embed="rId4">
             <a:extLst>
               <a:ext uri="{28A0092B-C50C-407E-A947-70E740481C1C}">
@@ -6340,13 +6340,13 @@
               </a:ext>
             </a:extLst>
           </a:blip>
-          <a:srcRect/>
+          <a:srcRect l="-1647"/>
           <a:stretch/>
         </p:blipFill>
         <p:spPr>
           <a:xfrm>
-            <a:off x="8730823" y="545322"/>
-            <a:ext cx="2506272" cy="5401329"/>
+            <a:off x="8689551" y="546444"/>
+            <a:ext cx="2547544" cy="5399084"/>
           </a:xfrm>
           <a:prstGeom prst="rect">
             <a:avLst/>
